--- a/Tareas/10030728/tarea1.pptx
+++ b/Tareas/10030728/tarea1.pptx
@@ -4,6 +4,11 @@
   <p:sldMasterIdLst>
     <p:sldMasterId id="2147483648" r:id="rId1"/>
   </p:sldMasterIdLst>
+  <p:sldIdLst>
+    <p:sldId id="258" r:id="rId2"/>
+    <p:sldId id="256" r:id="rId3"/>
+    <p:sldId id="257" r:id="rId4"/>
+  </p:sldIdLst>
   <p:sldSz cx="9144000" cy="6858000" type="screen4x3"/>
   <p:notesSz cx="6858000" cy="9144000"/>
   <p:defaultTextStyle>
@@ -285,7 +290,8 @@
           <a:p>
             <a:fld id="{7A847CFC-816F-41D0-AAC0-9BF4FEBC753E}" type="datetimeFigureOut">
               <a:rPr lang="es-ES" smtClean="0"/>
-              <a:t>06/10/2006</a:t>
+              <a:pPr/>
+              <a:t>31/01/2014</a:t>
             </a:fld>
             <a:endParaRPr lang="es-ES"/>
           </a:p>
@@ -327,6 +333,7 @@
           <a:p>
             <a:fld id="{132FADFE-3B8F-471C-ABF0-DBC7717ECBBC}" type="slidenum">
               <a:rPr lang="es-ES" smtClean="0"/>
+              <a:pPr/>
               <a:t>‹Nº›</a:t>
             </a:fld>
             <a:endParaRPr lang="es-ES"/>
@@ -450,7 +457,8 @@
           <a:p>
             <a:fld id="{7A847CFC-816F-41D0-AAC0-9BF4FEBC753E}" type="datetimeFigureOut">
               <a:rPr lang="es-ES" smtClean="0"/>
-              <a:t>06/10/2006</a:t>
+              <a:pPr/>
+              <a:t>31/01/2014</a:t>
             </a:fld>
             <a:endParaRPr lang="es-ES"/>
           </a:p>
@@ -492,6 +500,7 @@
           <a:p>
             <a:fld id="{132FADFE-3B8F-471C-ABF0-DBC7717ECBBC}" type="slidenum">
               <a:rPr lang="es-ES" smtClean="0"/>
+              <a:pPr/>
               <a:t>‹Nº›</a:t>
             </a:fld>
             <a:endParaRPr lang="es-ES"/>
@@ -625,7 +634,8 @@
           <a:p>
             <a:fld id="{7A847CFC-816F-41D0-AAC0-9BF4FEBC753E}" type="datetimeFigureOut">
               <a:rPr lang="es-ES" smtClean="0"/>
-              <a:t>06/10/2006</a:t>
+              <a:pPr/>
+              <a:t>31/01/2014</a:t>
             </a:fld>
             <a:endParaRPr lang="es-ES"/>
           </a:p>
@@ -667,6 +677,7 @@
           <a:p>
             <a:fld id="{132FADFE-3B8F-471C-ABF0-DBC7717ECBBC}" type="slidenum">
               <a:rPr lang="es-ES" smtClean="0"/>
+              <a:pPr/>
               <a:t>‹Nº›</a:t>
             </a:fld>
             <a:endParaRPr lang="es-ES"/>
@@ -790,7 +801,8 @@
           <a:p>
             <a:fld id="{7A847CFC-816F-41D0-AAC0-9BF4FEBC753E}" type="datetimeFigureOut">
               <a:rPr lang="es-ES" smtClean="0"/>
-              <a:t>06/10/2006</a:t>
+              <a:pPr/>
+              <a:t>31/01/2014</a:t>
             </a:fld>
             <a:endParaRPr lang="es-ES"/>
           </a:p>
@@ -832,6 +844,7 @@
           <a:p>
             <a:fld id="{132FADFE-3B8F-471C-ABF0-DBC7717ECBBC}" type="slidenum">
               <a:rPr lang="es-ES" smtClean="0"/>
+              <a:pPr/>
               <a:t>‹Nº›</a:t>
             </a:fld>
             <a:endParaRPr lang="es-ES"/>
@@ -1031,7 +1044,8 @@
           <a:p>
             <a:fld id="{7A847CFC-816F-41D0-AAC0-9BF4FEBC753E}" type="datetimeFigureOut">
               <a:rPr lang="es-ES" smtClean="0"/>
-              <a:t>06/10/2006</a:t>
+              <a:pPr/>
+              <a:t>31/01/2014</a:t>
             </a:fld>
             <a:endParaRPr lang="es-ES"/>
           </a:p>
@@ -1073,6 +1087,7 @@
           <a:p>
             <a:fld id="{132FADFE-3B8F-471C-ABF0-DBC7717ECBBC}" type="slidenum">
               <a:rPr lang="es-ES" smtClean="0"/>
+              <a:pPr/>
               <a:t>‹Nº›</a:t>
             </a:fld>
             <a:endParaRPr lang="es-ES"/>
@@ -1314,7 +1329,8 @@
           <a:p>
             <a:fld id="{7A847CFC-816F-41D0-AAC0-9BF4FEBC753E}" type="datetimeFigureOut">
               <a:rPr lang="es-ES" smtClean="0"/>
-              <a:t>06/10/2006</a:t>
+              <a:pPr/>
+              <a:t>31/01/2014</a:t>
             </a:fld>
             <a:endParaRPr lang="es-ES"/>
           </a:p>
@@ -1356,6 +1372,7 @@
           <a:p>
             <a:fld id="{132FADFE-3B8F-471C-ABF0-DBC7717ECBBC}" type="slidenum">
               <a:rPr lang="es-ES" smtClean="0"/>
+              <a:pPr/>
               <a:t>‹Nº›</a:t>
             </a:fld>
             <a:endParaRPr lang="es-ES"/>
@@ -1731,7 +1748,8 @@
           <a:p>
             <a:fld id="{7A847CFC-816F-41D0-AAC0-9BF4FEBC753E}" type="datetimeFigureOut">
               <a:rPr lang="es-ES" smtClean="0"/>
-              <a:t>06/10/2006</a:t>
+              <a:pPr/>
+              <a:t>31/01/2014</a:t>
             </a:fld>
             <a:endParaRPr lang="es-ES"/>
           </a:p>
@@ -1773,6 +1791,7 @@
           <a:p>
             <a:fld id="{132FADFE-3B8F-471C-ABF0-DBC7717ECBBC}" type="slidenum">
               <a:rPr lang="es-ES" smtClean="0"/>
+              <a:pPr/>
               <a:t>‹Nº›</a:t>
             </a:fld>
             <a:endParaRPr lang="es-ES"/>
@@ -1844,7 +1863,8 @@
           <a:p>
             <a:fld id="{7A847CFC-816F-41D0-AAC0-9BF4FEBC753E}" type="datetimeFigureOut">
               <a:rPr lang="es-ES" smtClean="0"/>
-              <a:t>06/10/2006</a:t>
+              <a:pPr/>
+              <a:t>31/01/2014</a:t>
             </a:fld>
             <a:endParaRPr lang="es-ES"/>
           </a:p>
@@ -1886,6 +1906,7 @@
           <a:p>
             <a:fld id="{132FADFE-3B8F-471C-ABF0-DBC7717ECBBC}" type="slidenum">
               <a:rPr lang="es-ES" smtClean="0"/>
+              <a:pPr/>
               <a:t>‹Nº›</a:t>
             </a:fld>
             <a:endParaRPr lang="es-ES"/>
@@ -1934,7 +1955,8 @@
           <a:p>
             <a:fld id="{7A847CFC-816F-41D0-AAC0-9BF4FEBC753E}" type="datetimeFigureOut">
               <a:rPr lang="es-ES" smtClean="0"/>
-              <a:t>06/10/2006</a:t>
+              <a:pPr/>
+              <a:t>31/01/2014</a:t>
             </a:fld>
             <a:endParaRPr lang="es-ES"/>
           </a:p>
@@ -1976,6 +1998,7 @@
           <a:p>
             <a:fld id="{132FADFE-3B8F-471C-ABF0-DBC7717ECBBC}" type="slidenum">
               <a:rPr lang="es-ES" smtClean="0"/>
+              <a:pPr/>
               <a:t>‹Nº›</a:t>
             </a:fld>
             <a:endParaRPr lang="es-ES"/>
@@ -2206,7 +2229,8 @@
           <a:p>
             <a:fld id="{7A847CFC-816F-41D0-AAC0-9BF4FEBC753E}" type="datetimeFigureOut">
               <a:rPr lang="es-ES" smtClean="0"/>
-              <a:t>06/10/2006</a:t>
+              <a:pPr/>
+              <a:t>31/01/2014</a:t>
             </a:fld>
             <a:endParaRPr lang="es-ES"/>
           </a:p>
@@ -2248,6 +2272,7 @@
           <a:p>
             <a:fld id="{132FADFE-3B8F-471C-ABF0-DBC7717ECBBC}" type="slidenum">
               <a:rPr lang="es-ES" smtClean="0"/>
+              <a:pPr/>
               <a:t>‹Nº›</a:t>
             </a:fld>
             <a:endParaRPr lang="es-ES"/>
@@ -2454,7 +2479,8 @@
           <a:p>
             <a:fld id="{7A847CFC-816F-41D0-AAC0-9BF4FEBC753E}" type="datetimeFigureOut">
               <a:rPr lang="es-ES" smtClean="0"/>
-              <a:t>06/10/2006</a:t>
+              <a:pPr/>
+              <a:t>31/01/2014</a:t>
             </a:fld>
             <a:endParaRPr lang="es-ES"/>
           </a:p>
@@ -2496,6 +2522,7 @@
           <a:p>
             <a:fld id="{132FADFE-3B8F-471C-ABF0-DBC7717ECBBC}" type="slidenum">
               <a:rPr lang="es-ES" smtClean="0"/>
+              <a:pPr/>
               <a:t>‹Nº›</a:t>
             </a:fld>
             <a:endParaRPr lang="es-ES"/>
@@ -2514,9 +2541,14 @@
 <p:sldMaster xmlns:a="http://schemas.openxmlformats.org/drawingml/2006/main" xmlns:r="http://schemas.openxmlformats.org/officeDocument/2006/relationships" xmlns:p="http://schemas.openxmlformats.org/presentationml/2006/main">
   <p:cSld>
     <p:bg>
-      <p:bgRef idx="1001">
-        <a:schemeClr val="bg1"/>
-      </p:bgRef>
+      <p:bgPr>
+        <a:blipFill dpi="0" rotWithShape="1">
+          <a:blip r:embed="rId13" cstate="print"/>
+          <a:srcRect/>
+          <a:tile tx="0" ty="0" sx="100000" sy="100000" flip="none" algn="tl"/>
+        </a:blipFill>
+        <a:effectLst/>
+      </p:bgPr>
     </p:bg>
     <p:spTree>
       <p:nvGrpSpPr>
@@ -2662,7 +2694,8 @@
           <a:p>
             <a:fld id="{7A847CFC-816F-41D0-AAC0-9BF4FEBC753E}" type="datetimeFigureOut">
               <a:rPr lang="es-ES" smtClean="0"/>
-              <a:t>06/10/2006</a:t>
+              <a:pPr/>
+              <a:t>31/01/2014</a:t>
             </a:fld>
             <a:endParaRPr lang="es-ES"/>
           </a:p>
@@ -2740,6 +2773,7 @@
           <a:p>
             <a:fld id="{132FADFE-3B8F-471C-ABF0-DBC7717ECBBC}" type="slidenum">
               <a:rPr lang="es-ES" smtClean="0"/>
+              <a:pPr/>
               <a:t>‹Nº›</a:t>
             </a:fld>
             <a:endParaRPr lang="es-ES"/>
@@ -3013,6 +3047,334 @@
     </p:otherStyle>
   </p:txStyles>
 </p:sldMaster>
+</file>
+
+<file path=ppt/slides/slide1.xml><?xml version="1.0" encoding="utf-8"?>
+<p:sld xmlns:a="http://schemas.openxmlformats.org/drawingml/2006/main" xmlns:r="http://schemas.openxmlformats.org/officeDocument/2006/relationships" xmlns:p="http://schemas.openxmlformats.org/presentationml/2006/main">
+  <p:cSld>
+    <p:spTree>
+      <p:nvGrpSpPr>
+        <p:cNvPr id="1" name=""/>
+        <p:cNvGrpSpPr/>
+        <p:nvPr/>
+      </p:nvGrpSpPr>
+      <p:grpSpPr>
+        <a:xfrm>
+          <a:off x="0" y="0"/>
+          <a:ext cx="0" cy="0"/>
+          <a:chOff x="0" y="0"/>
+          <a:chExt cx="0" cy="0"/>
+        </a:xfrm>
+      </p:grpSpPr>
+      <p:sp>
+        <p:nvSpPr>
+          <p:cNvPr id="4" name="3 Título"/>
+          <p:cNvSpPr>
+            <a:spLocks noGrp="1"/>
+          </p:cNvSpPr>
+          <p:nvPr>
+            <p:ph type="ctrTitle"/>
+          </p:nvPr>
+        </p:nvSpPr>
+        <p:spPr>
+          <a:xfrm>
+            <a:off x="467544" y="2132856"/>
+            <a:ext cx="7772400" cy="1470025"/>
+          </a:xfrm>
+        </p:spPr>
+        <p:txBody>
+          <a:bodyPr>
+            <a:noAutofit/>
+          </a:bodyPr>
+          <a:lstStyle/>
+          <a:p>
+            <a:r>
+              <a:rPr lang="es-ES" sz="9600" dirty="0" err="1" smtClean="0">
+                <a:latin typeface="Adobe Gothic Std B" pitchFamily="34" charset="-128"/>
+                <a:ea typeface="Adobe Gothic Std B" pitchFamily="34" charset="-128"/>
+              </a:rPr>
+              <a:t>Git</a:t>
+            </a:r>
+            <a:endParaRPr lang="es-ES" sz="9600" dirty="0">
+              <a:latin typeface="Adobe Gothic Std B" pitchFamily="34" charset="-128"/>
+              <a:ea typeface="Adobe Gothic Std B" pitchFamily="34" charset="-128"/>
+            </a:endParaRPr>
+          </a:p>
+        </p:txBody>
+      </p:sp>
+      <p:sp>
+        <p:nvSpPr>
+          <p:cNvPr id="5" name="4 Subtítulo"/>
+          <p:cNvSpPr>
+            <a:spLocks noGrp="1"/>
+          </p:cNvSpPr>
+          <p:nvPr>
+            <p:ph type="subTitle" idx="1"/>
+          </p:nvPr>
+        </p:nvSpPr>
+        <p:spPr>
+          <a:xfrm>
+            <a:off x="4679504" y="6158136"/>
+            <a:ext cx="4464496" cy="699864"/>
+          </a:xfrm>
+        </p:spPr>
+        <p:txBody>
+          <a:bodyPr/>
+          <a:lstStyle/>
+          <a:p>
+            <a:r>
+              <a:rPr lang="es-ES" dirty="0" smtClean="0">
+                <a:solidFill>
+                  <a:schemeClr val="tx1"/>
+                </a:solidFill>
+              </a:rPr>
+              <a:t>De Acha Kun Ion Michel</a:t>
+            </a:r>
+            <a:endParaRPr lang="es-ES" dirty="0">
+              <a:solidFill>
+                <a:schemeClr val="tx1"/>
+              </a:solidFill>
+            </a:endParaRPr>
+          </a:p>
+        </p:txBody>
+      </p:sp>
+    </p:spTree>
+  </p:cSld>
+  <p:clrMapOvr>
+    <a:masterClrMapping/>
+  </p:clrMapOvr>
+</p:sld>
+</file>
+
+<file path=ppt/slides/slide2.xml><?xml version="1.0" encoding="utf-8"?>
+<p:sld xmlns:a="http://schemas.openxmlformats.org/drawingml/2006/main" xmlns:r="http://schemas.openxmlformats.org/officeDocument/2006/relationships" xmlns:p="http://schemas.openxmlformats.org/presentationml/2006/main">
+  <p:cSld>
+    <p:spTree>
+      <p:nvGrpSpPr>
+        <p:cNvPr id="1" name=""/>
+        <p:cNvGrpSpPr/>
+        <p:nvPr/>
+      </p:nvGrpSpPr>
+      <p:grpSpPr>
+        <a:xfrm>
+          <a:off x="0" y="0"/>
+          <a:ext cx="0" cy="0"/>
+          <a:chOff x="0" y="0"/>
+          <a:chExt cx="0" cy="0"/>
+        </a:xfrm>
+      </p:grpSpPr>
+      <p:sp>
+        <p:nvSpPr>
+          <p:cNvPr id="4" name="3 Título"/>
+          <p:cNvSpPr>
+            <a:spLocks noGrp="1"/>
+          </p:cNvSpPr>
+          <p:nvPr>
+            <p:ph type="title"/>
+          </p:nvPr>
+        </p:nvSpPr>
+        <p:spPr/>
+        <p:txBody>
+          <a:bodyPr/>
+          <a:lstStyle/>
+          <a:p>
+            <a:r>
+              <a:rPr lang="es-ES" dirty="0" err="1" smtClean="0"/>
+              <a:t>Git</a:t>
+            </a:r>
+            <a:endParaRPr lang="es-ES" dirty="0"/>
+          </a:p>
+        </p:txBody>
+      </p:sp>
+      <p:sp>
+        <p:nvSpPr>
+          <p:cNvPr id="5" name="4 Marcador de contenido"/>
+          <p:cNvSpPr>
+            <a:spLocks noGrp="1"/>
+          </p:cNvSpPr>
+          <p:nvPr>
+            <p:ph idx="1"/>
+          </p:nvPr>
+        </p:nvSpPr>
+        <p:spPr/>
+        <p:txBody>
+          <a:bodyPr/>
+          <a:lstStyle/>
+          <a:p>
+            <a:pPr>
+              <a:buNone/>
+            </a:pPr>
+            <a:r>
+              <a:rPr lang="es-ES" dirty="0" smtClean="0"/>
+              <a:t>   </a:t>
+            </a:r>
+            <a:r>
+              <a:rPr lang="es-ES" dirty="0" err="1" smtClean="0"/>
+              <a:t>Git</a:t>
+            </a:r>
+            <a:r>
+              <a:rPr lang="es-ES" dirty="0" smtClean="0"/>
+              <a:t> es un software de control de versiones pensando en la eficiencia y la confiabilidad del mantenimiento de versiones de aplicaciones cuando estas tienen un gran número de archivos de código fuente.</a:t>
+            </a:r>
+            <a:endParaRPr lang="es-ES" dirty="0"/>
+          </a:p>
+        </p:txBody>
+      </p:sp>
+    </p:spTree>
+  </p:cSld>
+  <p:clrMapOvr>
+    <a:masterClrMapping/>
+  </p:clrMapOvr>
+</p:sld>
+</file>
+
+<file path=ppt/slides/slide3.xml><?xml version="1.0" encoding="utf-8"?>
+<p:sld xmlns:a="http://schemas.openxmlformats.org/drawingml/2006/main" xmlns:r="http://schemas.openxmlformats.org/officeDocument/2006/relationships" xmlns:p="http://schemas.openxmlformats.org/presentationml/2006/main">
+  <p:cSld>
+    <p:spTree>
+      <p:nvGrpSpPr>
+        <p:cNvPr id="1" name=""/>
+        <p:cNvGrpSpPr/>
+        <p:nvPr/>
+      </p:nvGrpSpPr>
+      <p:grpSpPr>
+        <a:xfrm>
+          <a:off x="0" y="0"/>
+          <a:ext cx="0" cy="0"/>
+          <a:chOff x="0" y="0"/>
+          <a:chExt cx="0" cy="0"/>
+        </a:xfrm>
+      </p:grpSpPr>
+      <p:sp>
+        <p:nvSpPr>
+          <p:cNvPr id="2" name="1 Título"/>
+          <p:cNvSpPr>
+            <a:spLocks noGrp="1"/>
+          </p:cNvSpPr>
+          <p:nvPr>
+            <p:ph type="title"/>
+          </p:nvPr>
+        </p:nvSpPr>
+        <p:spPr/>
+        <p:txBody>
+          <a:bodyPr/>
+          <a:lstStyle/>
+          <a:p>
+            <a:r>
+              <a:rPr lang="es-ES" dirty="0" err="1" smtClean="0"/>
+              <a:t>Caracteristicas</a:t>
+            </a:r>
+            <a:endParaRPr lang="es-ES" dirty="0"/>
+          </a:p>
+        </p:txBody>
+      </p:sp>
+      <p:sp>
+        <p:nvSpPr>
+          <p:cNvPr id="3" name="2 Marcador de contenido"/>
+          <p:cNvSpPr>
+            <a:spLocks noGrp="1"/>
+          </p:cNvSpPr>
+          <p:nvPr>
+            <p:ph idx="1"/>
+          </p:nvPr>
+        </p:nvSpPr>
+        <p:spPr/>
+        <p:txBody>
+          <a:bodyPr/>
+          <a:lstStyle/>
+          <a:p>
+            <a:r>
+              <a:rPr lang="es-ES" dirty="0" smtClean="0"/>
+              <a:t>Fuerte apoyo al </a:t>
+            </a:r>
+            <a:r>
+              <a:rPr lang="es-ES" dirty="0" smtClean="0"/>
+              <a:t>desarrollo </a:t>
+            </a:r>
+            <a:r>
+              <a:rPr lang="es-ES" dirty="0" smtClean="0"/>
+              <a:t>no </a:t>
+            </a:r>
+            <a:r>
+              <a:rPr lang="es-ES" dirty="0" smtClean="0"/>
+              <a:t>lineal.</a:t>
+            </a:r>
+          </a:p>
+          <a:p>
+            <a:r>
+              <a:rPr lang="es-ES" dirty="0" smtClean="0"/>
+              <a:t>Gestión distribuida</a:t>
+            </a:r>
+            <a:r>
+              <a:rPr lang="es-ES" dirty="0" smtClean="0"/>
+              <a:t>.</a:t>
+            </a:r>
+          </a:p>
+          <a:p>
+            <a:r>
+              <a:rPr lang="es-ES" dirty="0" smtClean="0"/>
+              <a:t>Gestión eficiente de proyectos </a:t>
+            </a:r>
+            <a:r>
+              <a:rPr lang="es-ES" dirty="0" smtClean="0"/>
+              <a:t>grandes.</a:t>
+            </a:r>
+          </a:p>
+          <a:p>
+            <a:r>
+              <a:rPr lang="es-ES" dirty="0" err="1" smtClean="0"/>
+              <a:t>Realmacenamiento</a:t>
+            </a:r>
+            <a:r>
+              <a:rPr lang="es-ES" dirty="0" smtClean="0"/>
+              <a:t> periódico en </a:t>
+            </a:r>
+            <a:r>
+              <a:rPr lang="es-ES" dirty="0" smtClean="0"/>
+              <a:t>paquetes.</a:t>
+            </a:r>
+          </a:p>
+          <a:p>
+            <a:r>
+              <a:rPr lang="es-ES" dirty="0" smtClean="0"/>
+              <a:t>Puede </a:t>
+            </a:r>
+            <a:r>
+              <a:rPr lang="es-ES" dirty="0" smtClean="0"/>
+              <a:t>emular servidores </a:t>
+            </a:r>
+            <a:r>
+              <a:rPr lang="es-ES" dirty="0" smtClean="0"/>
+              <a:t>CVS.</a:t>
+            </a:r>
+          </a:p>
+          <a:p>
+            <a:r>
+              <a:rPr lang="es-ES" dirty="0" smtClean="0"/>
+              <a:t>Los almacenes de información pueden </a:t>
+            </a:r>
+            <a:r>
+              <a:rPr lang="es-ES" dirty="0" smtClean="0"/>
+              <a:t>publicarse </a:t>
+            </a:r>
+            <a:r>
+              <a:rPr lang="es-ES" dirty="0" smtClean="0"/>
+              <a:t>a través de una conexión TCP/IP simple o a través de cifrado </a:t>
+            </a:r>
+            <a:r>
+              <a:rPr lang="es-ES" dirty="0" smtClean="0"/>
+              <a:t>SSH.</a:t>
+            </a:r>
+            <a:endParaRPr lang="es-ES" dirty="0"/>
+          </a:p>
+        </p:txBody>
+      </p:sp>
+    </p:spTree>
+  </p:cSld>
+  <p:clrMapOvr>
+    <a:masterClrMapping/>
+  </p:clrMapOvr>
+</p:sld>
 </file>
 
 <file path=ppt/theme/theme1.xml><?xml version="1.0" encoding="utf-8"?>
